--- a/03_InstallPyTorch.pptx
+++ b/03_InstallPyTorch.pptx
@@ -5,7 +5,7 @@
     <p:sldMasterId id="2147483648" r:id="rId1"/>
   </p:sldMasterIdLst>
   <p:notesMasterIdLst>
-    <p:notesMasterId r:id="rId11"/>
+    <p:notesMasterId r:id="rId17"/>
   </p:notesMasterIdLst>
   <p:sldIdLst>
     <p:sldId id="256" r:id="rId2"/>
@@ -16,7 +16,13 @@
     <p:sldId id="263" r:id="rId7"/>
     <p:sldId id="264" r:id="rId8"/>
     <p:sldId id="265" r:id="rId9"/>
-    <p:sldId id="259" r:id="rId10"/>
+    <p:sldId id="266" r:id="rId10"/>
+    <p:sldId id="267" r:id="rId11"/>
+    <p:sldId id="268" r:id="rId12"/>
+    <p:sldId id="269" r:id="rId13"/>
+    <p:sldId id="270" r:id="rId14"/>
+    <p:sldId id="271" r:id="rId15"/>
+    <p:sldId id="259" r:id="rId16"/>
   </p:sldIdLst>
   <p:sldSz cx="9144000" cy="6858000" type="screen4x3"/>
   <p:notesSz cx="6858000" cy="9144000"/>
@@ -217,7 +223,7 @@
             <a:fld id="{6837EDA8-41C8-4B24-A206-13C08A65A6D7}" type="datetimeFigureOut">
               <a:rPr lang="zh-TW" altLang="en-US" smtClean="0"/>
               <a:pPr/>
-              <a:t>2020/5/21</a:t>
+              <a:t>2020/5/30</a:t>
             </a:fld>
             <a:endParaRPr lang="zh-TW" altLang="en-US"/>
           </a:p>
@@ -670,7 +676,7 @@
             <a:fld id="{8B85509C-BD4F-47BF-9B1E-FC2E949B3621}" type="datetime1">
               <a:rPr lang="zh-TW" altLang="en-US" smtClean="0"/>
               <a:pPr/>
-              <a:t>2020/5/21</a:t>
+              <a:t>2020/5/30</a:t>
             </a:fld>
             <a:endParaRPr lang="zh-TW" altLang="en-US"/>
           </a:p>
@@ -843,7 +849,7 @@
             <a:fld id="{42251B24-F787-4C15-8A0F-7AEC20C70069}" type="datetime1">
               <a:rPr lang="zh-TW" altLang="en-US" smtClean="0"/>
               <a:pPr/>
-              <a:t>2020/5/21</a:t>
+              <a:t>2020/5/30</a:t>
             </a:fld>
             <a:endParaRPr lang="zh-TW" altLang="en-US"/>
           </a:p>
@@ -1018,7 +1024,7 @@
             <a:fld id="{9CA0D33C-CE2B-45F1-B8D4-FFD1F131F331}" type="datetime1">
               <a:rPr lang="zh-TW" altLang="en-US" smtClean="0"/>
               <a:pPr/>
-              <a:t>2020/5/21</a:t>
+              <a:t>2020/5/30</a:t>
             </a:fld>
             <a:endParaRPr lang="zh-TW" altLang="en-US"/>
           </a:p>
@@ -1183,7 +1189,7 @@
             <a:fld id="{50B99440-D9EF-40CC-9B52-F6428D9B2C76}" type="datetime1">
               <a:rPr lang="zh-TW" altLang="en-US" smtClean="0"/>
               <a:pPr/>
-              <a:t>2020/5/21</a:t>
+              <a:t>2020/5/30</a:t>
             </a:fld>
             <a:endParaRPr lang="zh-TW" altLang="en-US"/>
           </a:p>
@@ -1425,7 +1431,7 @@
             <a:fld id="{0871BF52-5C6C-4959-8E27-CECB68D39FE4}" type="datetime1">
               <a:rPr lang="zh-TW" altLang="en-US" smtClean="0"/>
               <a:pPr/>
-              <a:t>2020/5/21</a:t>
+              <a:t>2020/5/30</a:t>
             </a:fld>
             <a:endParaRPr lang="zh-TW" altLang="en-US"/>
           </a:p>
@@ -1707,7 +1713,7 @@
             <a:fld id="{DF863F05-2DD9-4EB1-A827-12FD992DE9DC}" type="datetime1">
               <a:rPr lang="zh-TW" altLang="en-US" smtClean="0"/>
               <a:pPr/>
-              <a:t>2020/5/21</a:t>
+              <a:t>2020/5/30</a:t>
             </a:fld>
             <a:endParaRPr lang="zh-TW" altLang="en-US"/>
           </a:p>
@@ -2123,7 +2129,7 @@
             <a:fld id="{6339AF51-4491-4873-A096-75DB6CE47516}" type="datetime1">
               <a:rPr lang="zh-TW" altLang="en-US" smtClean="0"/>
               <a:pPr/>
-              <a:t>2020/5/21</a:t>
+              <a:t>2020/5/30</a:t>
             </a:fld>
             <a:endParaRPr lang="zh-TW" altLang="en-US"/>
           </a:p>
@@ -2237,7 +2243,7 @@
             <a:fld id="{EE4AD9C8-8B9E-40FF-ABE2-858AC2057BBB}" type="datetime1">
               <a:rPr lang="zh-TW" altLang="en-US" smtClean="0"/>
               <a:pPr/>
-              <a:t>2020/5/21</a:t>
+              <a:t>2020/5/30</a:t>
             </a:fld>
             <a:endParaRPr lang="zh-TW" altLang="en-US"/>
           </a:p>
@@ -2329,7 +2335,7 @@
             <a:fld id="{B4784999-BBBE-4BE4-A8D0-877E7D1D66CC}" type="datetime1">
               <a:rPr lang="zh-TW" altLang="en-US" smtClean="0"/>
               <a:pPr/>
-              <a:t>2020/5/21</a:t>
+              <a:t>2020/5/30</a:t>
             </a:fld>
             <a:endParaRPr lang="zh-TW" altLang="en-US"/>
           </a:p>
@@ -2601,7 +2607,7 @@
             <a:fld id="{E88D17E6-02BD-4944-B9FE-7BFCCBF83D48}" type="datetime1">
               <a:rPr lang="zh-TW" altLang="en-US" smtClean="0"/>
               <a:pPr/>
-              <a:t>2020/5/21</a:t>
+              <a:t>2020/5/30</a:t>
             </a:fld>
             <a:endParaRPr lang="zh-TW" altLang="en-US"/>
           </a:p>
@@ -2850,7 +2856,7 @@
             <a:fld id="{3C13E23D-1FEF-4D78-A3A3-3D6F2BB31954}" type="datetime1">
               <a:rPr lang="zh-TW" altLang="en-US" smtClean="0"/>
               <a:pPr/>
-              <a:t>2020/5/21</a:t>
+              <a:t>2020/5/30</a:t>
             </a:fld>
             <a:endParaRPr lang="zh-TW" altLang="en-US"/>
           </a:p>
@@ -3058,7 +3064,7 @@
             <a:fld id="{06197F35-AD6F-4594-8B50-334492D2E7E8}" type="datetime1">
               <a:rPr lang="zh-TW" altLang="en-US" smtClean="0"/>
               <a:pPr/>
-              <a:t>2020/5/21</a:t>
+              <a:t>2020/5/30</a:t>
             </a:fld>
             <a:endParaRPr lang="zh-TW" altLang="en-US"/>
           </a:p>
@@ -3519,7 +3525,7 @@
             <a:fld id="{C389EDC9-19E3-47AC-9C57-C6A24DEA81AD}" type="datetime1">
               <a:rPr lang="zh-TW" altLang="en-US" smtClean="0"/>
               <a:pPr/>
-              <a:t>2020/5/21</a:t>
+              <a:t>2020/5/30</a:t>
             </a:fld>
             <a:endParaRPr lang="zh-TW" altLang="en-US"/>
           </a:p>
@@ -3587,7 +3593,7 @@
 </p:sld>
 </file>
 
-<file path=ppt/slides/slide2.xml><?xml version="1.0" encoding="utf-8"?>
+<file path=ppt/slides/slide10.xml><?xml version="1.0" encoding="utf-8"?>
 <p:sld xmlns:a="http://schemas.openxmlformats.org/drawingml/2006/main" xmlns:r="http://schemas.openxmlformats.org/officeDocument/2006/relationships" xmlns:p="http://schemas.openxmlformats.org/presentationml/2006/main">
   <p:cSld>
     <p:spTree>
@@ -3659,7 +3665,7 @@
                   <a:srgbClr val="FFFF00"/>
                 </a:solidFill>
               </a:rPr>
-              <a:t>3 Install PyTorch</a:t>
+              <a:t>3.1 Quiz</a:t>
             </a:r>
             <a:endParaRPr lang="zh-TW" altLang="en-US" b="1" dirty="0">
               <a:solidFill>
@@ -3681,8 +3687,8 @@
         </p:nvSpPr>
         <p:spPr>
           <a:xfrm>
-            <a:off x="467544" y="1268759"/>
-            <a:ext cx="8352928" cy="1296145"/>
+            <a:off x="467544" y="1268760"/>
+            <a:ext cx="1080120" cy="360040"/>
           </a:xfrm>
           <a:ln>
             <a:solidFill>
@@ -3710,44 +3716,13 @@
                   <a:schemeClr val="tx1"/>
                 </a:solidFill>
               </a:rPr>
-              <a:t>Install PyTorch</a:t>
-            </a:r>
-          </a:p>
-          <a:p>
-            <a:pPr marL="342900" indent="-342900" algn="l">
-              <a:buClr>
-                <a:srgbClr val="0070C0"/>
-              </a:buClr>
-              <a:buSzPct val="80000"/>
-              <a:buFont typeface="Wingdings" pitchFamily="2" charset="2"/>
-              <a:buChar char="u"/>
-            </a:pPr>
-            <a:r>
-              <a:rPr lang="en-US" altLang="zh-TW" sz="1800" dirty="0">
-                <a:solidFill>
-                  <a:schemeClr val="tx1"/>
-                </a:solidFill>
-              </a:rPr>
-              <a:t>To install the PyTorch, it is best to use Anaconda Python Package manager.</a:t>
-            </a:r>
-          </a:p>
-          <a:p>
-            <a:pPr marL="342900" indent="-342900" algn="l">
-              <a:buClr>
-                <a:srgbClr val="0070C0"/>
-              </a:buClr>
-              <a:buSzPct val="80000"/>
-              <a:buFont typeface="Wingdings" pitchFamily="2" charset="2"/>
-              <a:buChar char="u"/>
-            </a:pPr>
-            <a:r>
-              <a:rPr lang="en-US" altLang="zh-TW" sz="1800" dirty="0">
-                <a:solidFill>
-                  <a:schemeClr val="tx1"/>
-                </a:solidFill>
-              </a:rPr>
-              <a:t>With Anaconda, it is easy to get the Jupyter notebook, and other commonly use for scientific computing and data science including PyTorch.</a:t>
-            </a:r>
+              <a:t>Quiz</a:t>
+            </a:r>
+            <a:endParaRPr lang="en-US" sz="1800" dirty="0">
+              <a:solidFill>
+                <a:schemeClr val="tx1"/>
+              </a:solidFill>
+            </a:endParaRPr>
           </a:p>
         </p:txBody>
       </p:sp>
@@ -3846,7 +3821,7 @@
             <a:fld id="{A4F910E6-8D00-4BAF-8C48-9688E0B449D3}" type="datetime1">
               <a:rPr lang="zh-TW" altLang="en-US" smtClean="0"/>
               <a:pPr/>
-              <a:t>2020/5/21</a:t>
+              <a:t>2020/5/30</a:t>
             </a:fld>
             <a:endParaRPr lang="zh-TW" altLang="en-US"/>
           </a:p>
@@ -3870,13 +3845,53 @@
             <a:fld id="{E4D7E63D-91F2-4366-A2C4-1B00C9E2590E}" type="slidenum">
               <a:rPr lang="zh-TW" altLang="en-US" smtClean="0"/>
               <a:pPr/>
-              <a:t>2</a:t>
+              <a:t>10</a:t>
             </a:fld>
             <a:endParaRPr lang="zh-TW" altLang="en-US"/>
           </a:p>
         </p:txBody>
       </p:sp>
+      <p:pic>
+        <p:nvPicPr>
+          <p:cNvPr id="7" name="Picture 6">
+            <a:extLst>
+              <a:ext uri="{FF2B5EF4-FFF2-40B4-BE49-F238E27FC236}">
+                <a16:creationId xmlns:a16="http://schemas.microsoft.com/office/drawing/2014/main" id="{F1C107EF-255B-4D42-B204-DDD2BB97C30F}"/>
+              </a:ext>
+            </a:extLst>
+          </p:cNvPr>
+          <p:cNvPicPr>
+            <a:picLocks noChangeAspect="1"/>
+          </p:cNvPicPr>
+          <p:nvPr/>
+        </p:nvPicPr>
+        <p:blipFill>
+          <a:blip r:embed="rId3"/>
+          <a:stretch>
+            <a:fillRect/>
+          </a:stretch>
+        </p:blipFill>
+        <p:spPr>
+          <a:xfrm>
+            <a:off x="1652587" y="1285875"/>
+            <a:ext cx="5838825" cy="4286250"/>
+          </a:xfrm>
+          <a:prstGeom prst="rect">
+            <a:avLst/>
+          </a:prstGeom>
+          <a:ln>
+            <a:solidFill>
+              <a:srgbClr val="C00000"/>
+            </a:solidFill>
+          </a:ln>
+        </p:spPr>
+      </p:pic>
     </p:spTree>
+    <p:extLst>
+      <p:ext uri="{BB962C8B-B14F-4D97-AF65-F5344CB8AC3E}">
+        <p14:creationId xmlns:p14="http://schemas.microsoft.com/office/powerpoint/2010/main" val="3727796477"/>
+      </p:ext>
+    </p:extLst>
   </p:cSld>
   <p:clrMapOvr>
     <a:masterClrMapping/>
@@ -3884,7 +3899,7 @@
 </p:sld>
 </file>
 
-<file path=ppt/slides/slide3.xml><?xml version="1.0" encoding="utf-8"?>
+<file path=ppt/slides/slide11.xml><?xml version="1.0" encoding="utf-8"?>
 <p:sld xmlns:a="http://schemas.openxmlformats.org/drawingml/2006/main" xmlns:r="http://schemas.openxmlformats.org/officeDocument/2006/relationships" xmlns:p="http://schemas.openxmlformats.org/presentationml/2006/main">
   <p:cSld>
     <p:spTree>
@@ -3956,7 +3971,7 @@
                   <a:srgbClr val="FFFF00"/>
                 </a:solidFill>
               </a:rPr>
-              <a:t>3 Install PyTorch</a:t>
+              <a:t>3.1 Quiz</a:t>
             </a:r>
             <a:endParaRPr lang="zh-TW" altLang="en-US" b="1" dirty="0">
               <a:solidFill>
@@ -3978,8 +3993,8 @@
         </p:nvSpPr>
         <p:spPr>
           <a:xfrm>
-            <a:off x="467544" y="1268759"/>
-            <a:ext cx="8352928" cy="720083"/>
+            <a:off x="467544" y="1268760"/>
+            <a:ext cx="1080120" cy="360040"/>
           </a:xfrm>
           <a:ln>
             <a:solidFill>
@@ -4007,25 +4022,13 @@
                   <a:schemeClr val="tx1"/>
                 </a:solidFill>
               </a:rPr>
-              <a:t>Install PyTorch</a:t>
-            </a:r>
-          </a:p>
-          <a:p>
-            <a:pPr marL="342900" indent="-342900" algn="l">
-              <a:buClr>
-                <a:srgbClr val="0070C0"/>
-              </a:buClr>
-              <a:buSzPct val="80000"/>
-              <a:buFont typeface="Wingdings" pitchFamily="2" charset="2"/>
-              <a:buChar char="u"/>
-            </a:pPr>
-            <a:r>
-              <a:rPr lang="en-US" sz="1800" dirty="0">
-                <a:hlinkClick r:id="rId2"/>
-              </a:rPr>
-              <a:t>https://pytorch.org/get-started/locally/</a:t>
-            </a:r>
-            <a:endParaRPr lang="en-US" sz="1800" dirty="0"/>
+              <a:t>Quiz</a:t>
+            </a:r>
+            <a:endParaRPr lang="en-US" sz="1800" dirty="0">
+              <a:solidFill>
+                <a:schemeClr val="tx1"/>
+              </a:solidFill>
+            </a:endParaRPr>
           </a:p>
         </p:txBody>
       </p:sp>
@@ -4085,7 +4088,7 @@
             </a:pPr>
             <a:r>
               <a:rPr lang="en-US" sz="1600" dirty="0">
-                <a:hlinkClick r:id="rId3"/>
+                <a:hlinkClick r:id="rId2"/>
               </a:rPr>
               <a:t>https://www.youtube.com/watch?v=UWlFM0R_x6I&amp;list=PLZbbT5o_s2xrfNyHZsM6ufI0iZENK9xgG&amp;index=3</a:t>
             </a:r>
@@ -4124,7 +4127,1677 @@
             <a:fld id="{A4F910E6-8D00-4BAF-8C48-9688E0B449D3}" type="datetime1">
               <a:rPr lang="zh-TW" altLang="en-US" smtClean="0"/>
               <a:pPr/>
-              <a:t>2020/5/21</a:t>
+              <a:t>2020/5/30</a:t>
+            </a:fld>
+            <a:endParaRPr lang="zh-TW" altLang="en-US"/>
+          </a:p>
+        </p:txBody>
+      </p:sp>
+      <p:sp>
+        <p:nvSpPr>
+          <p:cNvPr id="6" name="投影片編號版面配置區 5"/>
+          <p:cNvSpPr>
+            <a:spLocks noGrp="1"/>
+          </p:cNvSpPr>
+          <p:nvPr>
+            <p:ph type="sldNum" sz="quarter" idx="12"/>
+          </p:nvPr>
+        </p:nvSpPr>
+        <p:spPr/>
+        <p:txBody>
+          <a:bodyPr/>
+          <a:lstStyle/>
+          <a:p>
+            <a:fld id="{E4D7E63D-91F2-4366-A2C4-1B00C9E2590E}" type="slidenum">
+              <a:rPr lang="zh-TW" altLang="en-US" smtClean="0"/>
+              <a:pPr/>
+              <a:t>11</a:t>
+            </a:fld>
+            <a:endParaRPr lang="zh-TW" altLang="en-US"/>
+          </a:p>
+        </p:txBody>
+      </p:sp>
+      <p:pic>
+        <p:nvPicPr>
+          <p:cNvPr id="8" name="Picture 7">
+            <a:extLst>
+              <a:ext uri="{FF2B5EF4-FFF2-40B4-BE49-F238E27FC236}">
+                <a16:creationId xmlns:a16="http://schemas.microsoft.com/office/drawing/2014/main" id="{B24B9B04-DBFB-4FE1-892E-82D33AF1A1B9}"/>
+              </a:ext>
+            </a:extLst>
+          </p:cNvPr>
+          <p:cNvPicPr>
+            <a:picLocks noChangeAspect="1"/>
+          </p:cNvPicPr>
+          <p:nvPr/>
+        </p:nvPicPr>
+        <p:blipFill>
+          <a:blip r:embed="rId3"/>
+          <a:stretch>
+            <a:fillRect/>
+          </a:stretch>
+        </p:blipFill>
+        <p:spPr>
+          <a:xfrm>
+            <a:off x="2062162" y="1268760"/>
+            <a:ext cx="5019675" cy="4438650"/>
+          </a:xfrm>
+          <a:prstGeom prst="rect">
+            <a:avLst/>
+          </a:prstGeom>
+          <a:ln>
+            <a:solidFill>
+              <a:srgbClr val="C00000"/>
+            </a:solidFill>
+          </a:ln>
+        </p:spPr>
+      </p:pic>
+    </p:spTree>
+    <p:extLst>
+      <p:ext uri="{BB962C8B-B14F-4D97-AF65-F5344CB8AC3E}">
+        <p14:creationId xmlns:p14="http://schemas.microsoft.com/office/powerpoint/2010/main" val="273093061"/>
+      </p:ext>
+    </p:extLst>
+  </p:cSld>
+  <p:clrMapOvr>
+    <a:masterClrMapping/>
+  </p:clrMapOvr>
+</p:sld>
+</file>
+
+<file path=ppt/slides/slide12.xml><?xml version="1.0" encoding="utf-8"?>
+<p:sld xmlns:a="http://schemas.openxmlformats.org/drawingml/2006/main" xmlns:r="http://schemas.openxmlformats.org/officeDocument/2006/relationships" xmlns:p="http://schemas.openxmlformats.org/presentationml/2006/main">
+  <p:cSld>
+    <p:spTree>
+      <p:nvGrpSpPr>
+        <p:cNvPr id="1" name=""/>
+        <p:cNvGrpSpPr/>
+        <p:nvPr/>
+      </p:nvGrpSpPr>
+      <p:grpSpPr>
+        <a:xfrm>
+          <a:off x="0" y="0"/>
+          <a:ext cx="0" cy="0"/>
+          <a:chOff x="0" y="0"/>
+          <a:chExt cx="0" cy="0"/>
+        </a:xfrm>
+      </p:grpSpPr>
+      <p:sp>
+        <p:nvSpPr>
+          <p:cNvPr id="2" name="標題 1"/>
+          <p:cNvSpPr>
+            <a:spLocks noGrp="1"/>
+          </p:cNvSpPr>
+          <p:nvPr>
+            <p:ph type="ctrTitle"/>
+          </p:nvPr>
+        </p:nvSpPr>
+        <p:spPr>
+          <a:xfrm>
+            <a:off x="0" y="1"/>
+            <a:ext cx="9144000" cy="764704"/>
+          </a:xfrm>
+          <a:gradFill flip="none" rotWithShape="1">
+            <a:gsLst>
+              <a:gs pos="0">
+                <a:srgbClr val="C00000">
+                  <a:shade val="30000"/>
+                  <a:satMod val="115000"/>
+                </a:srgbClr>
+              </a:gs>
+              <a:gs pos="50000">
+                <a:srgbClr val="C00000">
+                  <a:shade val="67500"/>
+                  <a:satMod val="115000"/>
+                </a:srgbClr>
+              </a:gs>
+              <a:gs pos="100000">
+                <a:srgbClr val="C00000">
+                  <a:shade val="100000"/>
+                  <a:satMod val="115000"/>
+                </a:srgbClr>
+              </a:gs>
+            </a:gsLst>
+            <a:path path="circle">
+              <a:fillToRect t="100000" r="100000"/>
+            </a:path>
+            <a:tileRect l="-100000" b="-100000"/>
+          </a:gradFill>
+        </p:spPr>
+        <p:txBody>
+          <a:bodyPr>
+            <a:normAutofit/>
+          </a:bodyPr>
+          <a:lstStyle/>
+          <a:p>
+            <a:pPr algn="l"/>
+            <a:r>
+              <a:rPr lang="en-US" altLang="zh-TW" b="1" dirty="0">
+                <a:solidFill>
+                  <a:srgbClr val="FFFF00"/>
+                </a:solidFill>
+              </a:rPr>
+              <a:t>3.1 Quiz</a:t>
+            </a:r>
+            <a:endParaRPr lang="zh-TW" altLang="en-US" b="1" dirty="0">
+              <a:solidFill>
+                <a:srgbClr val="FFFF00"/>
+              </a:solidFill>
+            </a:endParaRPr>
+          </a:p>
+        </p:txBody>
+      </p:sp>
+      <p:sp>
+        <p:nvSpPr>
+          <p:cNvPr id="3" name="副標題 2"/>
+          <p:cNvSpPr>
+            <a:spLocks noGrp="1"/>
+          </p:cNvSpPr>
+          <p:nvPr>
+            <p:ph type="subTitle" idx="1"/>
+          </p:nvPr>
+        </p:nvSpPr>
+        <p:spPr>
+          <a:xfrm>
+            <a:off x="467544" y="1268760"/>
+            <a:ext cx="1080120" cy="360040"/>
+          </a:xfrm>
+          <a:ln>
+            <a:solidFill>
+              <a:srgbClr val="C00000"/>
+            </a:solidFill>
+          </a:ln>
+        </p:spPr>
+        <p:txBody>
+          <a:bodyPr>
+            <a:noAutofit/>
+          </a:bodyPr>
+          <a:lstStyle/>
+          <a:p>
+            <a:pPr marL="342900" indent="-342900" algn="l">
+              <a:buClr>
+                <a:srgbClr val="0070C0"/>
+              </a:buClr>
+              <a:buSzPct val="80000"/>
+              <a:buFont typeface="Wingdings" pitchFamily="2" charset="2"/>
+              <a:buChar char="u"/>
+            </a:pPr>
+            <a:r>
+              <a:rPr lang="en-US" sz="1800" b="1" dirty="0">
+                <a:solidFill>
+                  <a:schemeClr val="tx1"/>
+                </a:solidFill>
+              </a:rPr>
+              <a:t>Quiz</a:t>
+            </a:r>
+            <a:endParaRPr lang="en-US" sz="1800" dirty="0">
+              <a:solidFill>
+                <a:schemeClr val="tx1"/>
+              </a:solidFill>
+            </a:endParaRPr>
+          </a:p>
+        </p:txBody>
+      </p:sp>
+      <p:sp>
+        <p:nvSpPr>
+          <p:cNvPr id="4" name="標題 1"/>
+          <p:cNvSpPr txBox="1">
+            <a:spLocks/>
+          </p:cNvSpPr>
+          <p:nvPr/>
+        </p:nvSpPr>
+        <p:spPr>
+          <a:xfrm>
+            <a:off x="0" y="764704"/>
+            <a:ext cx="9144000" cy="360040"/>
+          </a:xfrm>
+          <a:prstGeom prst="rect">
+            <a:avLst/>
+          </a:prstGeom>
+          <a:gradFill flip="none" rotWithShape="1">
+            <a:gsLst>
+              <a:gs pos="0">
+                <a:srgbClr val="00B0F0">
+                  <a:shade val="30000"/>
+                  <a:satMod val="115000"/>
+                </a:srgbClr>
+              </a:gs>
+              <a:gs pos="50000">
+                <a:srgbClr val="00B0F0">
+                  <a:shade val="67500"/>
+                  <a:satMod val="115000"/>
+                </a:srgbClr>
+              </a:gs>
+              <a:gs pos="100000">
+                <a:srgbClr val="00B0F0">
+                  <a:shade val="100000"/>
+                  <a:satMod val="115000"/>
+                </a:srgbClr>
+              </a:gs>
+            </a:gsLst>
+            <a:path path="circle">
+              <a:fillToRect t="100000" r="100000"/>
+            </a:path>
+            <a:tileRect l="-100000" b="-100000"/>
+          </a:gradFill>
+        </p:spPr>
+        <p:txBody>
+          <a:bodyPr vert="horz" lIns="91440" tIns="45720" rIns="91440" bIns="45720" rtlCol="0" anchor="ctr">
+            <a:normAutofit/>
+          </a:bodyPr>
+          <a:lstStyle/>
+          <a:p>
+            <a:pPr lvl="0">
+              <a:spcBef>
+                <a:spcPct val="0"/>
+              </a:spcBef>
+            </a:pPr>
+            <a:r>
+              <a:rPr lang="en-US" sz="1600" dirty="0">
+                <a:hlinkClick r:id="rId2"/>
+              </a:rPr>
+              <a:t>https://www.youtube.com/watch?v=UWlFM0R_x6I&amp;list=PLZbbT5o_s2xrfNyHZsM6ufI0iZENK9xgG&amp;index=3</a:t>
+            </a:r>
+            <a:endParaRPr kumimoji="0" lang="zh-TW" altLang="en-US" sz="1600" b="0" i="0" u="none" strike="noStrike" kern="1200" cap="none" spc="0" normalizeH="0" baseline="0" noProof="0" dirty="0">
+              <a:ln>
+                <a:noFill/>
+              </a:ln>
+              <a:solidFill>
+                <a:schemeClr val="tx1"/>
+              </a:solidFill>
+              <a:effectLst/>
+              <a:uLnTx/>
+              <a:uFillTx/>
+              <a:latin typeface="+mj-lt"/>
+              <a:ea typeface="+mj-ea"/>
+              <a:cs typeface="+mj-cs"/>
+            </a:endParaRPr>
+          </a:p>
+        </p:txBody>
+      </p:sp>
+      <p:sp>
+        <p:nvSpPr>
+          <p:cNvPr id="5" name="日期版面配置區 4"/>
+          <p:cNvSpPr>
+            <a:spLocks noGrp="1"/>
+          </p:cNvSpPr>
+          <p:nvPr>
+            <p:ph type="dt" sz="half" idx="10"/>
+          </p:nvPr>
+        </p:nvSpPr>
+        <p:spPr/>
+        <p:txBody>
+          <a:bodyPr/>
+          <a:lstStyle/>
+          <a:p>
+            <a:fld id="{A4F910E6-8D00-4BAF-8C48-9688E0B449D3}" type="datetime1">
+              <a:rPr lang="zh-TW" altLang="en-US" smtClean="0"/>
+              <a:pPr/>
+              <a:t>2020/5/30</a:t>
+            </a:fld>
+            <a:endParaRPr lang="zh-TW" altLang="en-US"/>
+          </a:p>
+        </p:txBody>
+      </p:sp>
+      <p:sp>
+        <p:nvSpPr>
+          <p:cNvPr id="6" name="投影片編號版面配置區 5"/>
+          <p:cNvSpPr>
+            <a:spLocks noGrp="1"/>
+          </p:cNvSpPr>
+          <p:nvPr>
+            <p:ph type="sldNum" sz="quarter" idx="12"/>
+          </p:nvPr>
+        </p:nvSpPr>
+        <p:spPr/>
+        <p:txBody>
+          <a:bodyPr/>
+          <a:lstStyle/>
+          <a:p>
+            <a:fld id="{E4D7E63D-91F2-4366-A2C4-1B00C9E2590E}" type="slidenum">
+              <a:rPr lang="zh-TW" altLang="en-US" smtClean="0"/>
+              <a:pPr/>
+              <a:t>12</a:t>
+            </a:fld>
+            <a:endParaRPr lang="zh-TW" altLang="en-US"/>
+          </a:p>
+        </p:txBody>
+      </p:sp>
+      <p:pic>
+        <p:nvPicPr>
+          <p:cNvPr id="7" name="Picture 6">
+            <a:extLst>
+              <a:ext uri="{FF2B5EF4-FFF2-40B4-BE49-F238E27FC236}">
+                <a16:creationId xmlns:a16="http://schemas.microsoft.com/office/drawing/2014/main" id="{2DEA4204-CBFE-43D7-A4DF-B3C32FA69B35}"/>
+              </a:ext>
+            </a:extLst>
+          </p:cNvPr>
+          <p:cNvPicPr>
+            <a:picLocks noChangeAspect="1"/>
+          </p:cNvPicPr>
+          <p:nvPr/>
+        </p:nvPicPr>
+        <p:blipFill>
+          <a:blip r:embed="rId3"/>
+          <a:stretch>
+            <a:fillRect/>
+          </a:stretch>
+        </p:blipFill>
+        <p:spPr>
+          <a:xfrm>
+            <a:off x="1871662" y="1268760"/>
+            <a:ext cx="5400675" cy="4457700"/>
+          </a:xfrm>
+          <a:prstGeom prst="rect">
+            <a:avLst/>
+          </a:prstGeom>
+          <a:ln>
+            <a:solidFill>
+              <a:srgbClr val="C00000"/>
+            </a:solidFill>
+          </a:ln>
+        </p:spPr>
+      </p:pic>
+    </p:spTree>
+    <p:extLst>
+      <p:ext uri="{BB962C8B-B14F-4D97-AF65-F5344CB8AC3E}">
+        <p14:creationId xmlns:p14="http://schemas.microsoft.com/office/powerpoint/2010/main" val="2073158350"/>
+      </p:ext>
+    </p:extLst>
+  </p:cSld>
+  <p:clrMapOvr>
+    <a:masterClrMapping/>
+  </p:clrMapOvr>
+</p:sld>
+</file>
+
+<file path=ppt/slides/slide13.xml><?xml version="1.0" encoding="utf-8"?>
+<p:sld xmlns:a="http://schemas.openxmlformats.org/drawingml/2006/main" xmlns:r="http://schemas.openxmlformats.org/officeDocument/2006/relationships" xmlns:p="http://schemas.openxmlformats.org/presentationml/2006/main">
+  <p:cSld>
+    <p:spTree>
+      <p:nvGrpSpPr>
+        <p:cNvPr id="1" name=""/>
+        <p:cNvGrpSpPr/>
+        <p:nvPr/>
+      </p:nvGrpSpPr>
+      <p:grpSpPr>
+        <a:xfrm>
+          <a:off x="0" y="0"/>
+          <a:ext cx="0" cy="0"/>
+          <a:chOff x="0" y="0"/>
+          <a:chExt cx="0" cy="0"/>
+        </a:xfrm>
+      </p:grpSpPr>
+      <p:sp>
+        <p:nvSpPr>
+          <p:cNvPr id="2" name="標題 1"/>
+          <p:cNvSpPr>
+            <a:spLocks noGrp="1"/>
+          </p:cNvSpPr>
+          <p:nvPr>
+            <p:ph type="ctrTitle"/>
+          </p:nvPr>
+        </p:nvSpPr>
+        <p:spPr>
+          <a:xfrm>
+            <a:off x="0" y="1"/>
+            <a:ext cx="9144000" cy="764704"/>
+          </a:xfrm>
+          <a:gradFill flip="none" rotWithShape="1">
+            <a:gsLst>
+              <a:gs pos="0">
+                <a:srgbClr val="C00000">
+                  <a:shade val="30000"/>
+                  <a:satMod val="115000"/>
+                </a:srgbClr>
+              </a:gs>
+              <a:gs pos="50000">
+                <a:srgbClr val="C00000">
+                  <a:shade val="67500"/>
+                  <a:satMod val="115000"/>
+                </a:srgbClr>
+              </a:gs>
+              <a:gs pos="100000">
+                <a:srgbClr val="C00000">
+                  <a:shade val="100000"/>
+                  <a:satMod val="115000"/>
+                </a:srgbClr>
+              </a:gs>
+            </a:gsLst>
+            <a:path path="circle">
+              <a:fillToRect t="100000" r="100000"/>
+            </a:path>
+            <a:tileRect l="-100000" b="-100000"/>
+          </a:gradFill>
+        </p:spPr>
+        <p:txBody>
+          <a:bodyPr>
+            <a:normAutofit/>
+          </a:bodyPr>
+          <a:lstStyle/>
+          <a:p>
+            <a:pPr algn="l"/>
+            <a:r>
+              <a:rPr lang="en-US" altLang="zh-TW" b="1" dirty="0">
+                <a:solidFill>
+                  <a:srgbClr val="FFFF00"/>
+                </a:solidFill>
+              </a:rPr>
+              <a:t>3.1 Quiz</a:t>
+            </a:r>
+            <a:endParaRPr lang="zh-TW" altLang="en-US" b="1" dirty="0">
+              <a:solidFill>
+                <a:srgbClr val="FFFF00"/>
+              </a:solidFill>
+            </a:endParaRPr>
+          </a:p>
+        </p:txBody>
+      </p:sp>
+      <p:sp>
+        <p:nvSpPr>
+          <p:cNvPr id="3" name="副標題 2"/>
+          <p:cNvSpPr>
+            <a:spLocks noGrp="1"/>
+          </p:cNvSpPr>
+          <p:nvPr>
+            <p:ph type="subTitle" idx="1"/>
+          </p:nvPr>
+        </p:nvSpPr>
+        <p:spPr>
+          <a:xfrm>
+            <a:off x="467544" y="1268760"/>
+            <a:ext cx="1080120" cy="360040"/>
+          </a:xfrm>
+          <a:ln>
+            <a:solidFill>
+              <a:srgbClr val="C00000"/>
+            </a:solidFill>
+          </a:ln>
+        </p:spPr>
+        <p:txBody>
+          <a:bodyPr>
+            <a:noAutofit/>
+          </a:bodyPr>
+          <a:lstStyle/>
+          <a:p>
+            <a:pPr marL="342900" indent="-342900" algn="l">
+              <a:buClr>
+                <a:srgbClr val="0070C0"/>
+              </a:buClr>
+              <a:buSzPct val="80000"/>
+              <a:buFont typeface="Wingdings" pitchFamily="2" charset="2"/>
+              <a:buChar char="u"/>
+            </a:pPr>
+            <a:r>
+              <a:rPr lang="en-US" sz="1800" b="1" dirty="0">
+                <a:solidFill>
+                  <a:schemeClr val="tx1"/>
+                </a:solidFill>
+              </a:rPr>
+              <a:t>Quiz</a:t>
+            </a:r>
+            <a:endParaRPr lang="en-US" sz="1800" dirty="0">
+              <a:solidFill>
+                <a:schemeClr val="tx1"/>
+              </a:solidFill>
+            </a:endParaRPr>
+          </a:p>
+        </p:txBody>
+      </p:sp>
+      <p:sp>
+        <p:nvSpPr>
+          <p:cNvPr id="4" name="標題 1"/>
+          <p:cNvSpPr txBox="1">
+            <a:spLocks/>
+          </p:cNvSpPr>
+          <p:nvPr/>
+        </p:nvSpPr>
+        <p:spPr>
+          <a:xfrm>
+            <a:off x="0" y="764704"/>
+            <a:ext cx="9144000" cy="360040"/>
+          </a:xfrm>
+          <a:prstGeom prst="rect">
+            <a:avLst/>
+          </a:prstGeom>
+          <a:gradFill flip="none" rotWithShape="1">
+            <a:gsLst>
+              <a:gs pos="0">
+                <a:srgbClr val="00B0F0">
+                  <a:shade val="30000"/>
+                  <a:satMod val="115000"/>
+                </a:srgbClr>
+              </a:gs>
+              <a:gs pos="50000">
+                <a:srgbClr val="00B0F0">
+                  <a:shade val="67500"/>
+                  <a:satMod val="115000"/>
+                </a:srgbClr>
+              </a:gs>
+              <a:gs pos="100000">
+                <a:srgbClr val="00B0F0">
+                  <a:shade val="100000"/>
+                  <a:satMod val="115000"/>
+                </a:srgbClr>
+              </a:gs>
+            </a:gsLst>
+            <a:path path="circle">
+              <a:fillToRect t="100000" r="100000"/>
+            </a:path>
+            <a:tileRect l="-100000" b="-100000"/>
+          </a:gradFill>
+        </p:spPr>
+        <p:txBody>
+          <a:bodyPr vert="horz" lIns="91440" tIns="45720" rIns="91440" bIns="45720" rtlCol="0" anchor="ctr">
+            <a:normAutofit/>
+          </a:bodyPr>
+          <a:lstStyle/>
+          <a:p>
+            <a:pPr lvl="0">
+              <a:spcBef>
+                <a:spcPct val="0"/>
+              </a:spcBef>
+            </a:pPr>
+            <a:r>
+              <a:rPr lang="en-US" sz="1600" dirty="0">
+                <a:hlinkClick r:id="rId2"/>
+              </a:rPr>
+              <a:t>https://www.youtube.com/watch?v=UWlFM0R_x6I&amp;list=PLZbbT5o_s2xrfNyHZsM6ufI0iZENK9xgG&amp;index=3</a:t>
+            </a:r>
+            <a:endParaRPr kumimoji="0" lang="zh-TW" altLang="en-US" sz="1600" b="0" i="0" u="none" strike="noStrike" kern="1200" cap="none" spc="0" normalizeH="0" baseline="0" noProof="0" dirty="0">
+              <a:ln>
+                <a:noFill/>
+              </a:ln>
+              <a:solidFill>
+                <a:schemeClr val="tx1"/>
+              </a:solidFill>
+              <a:effectLst/>
+              <a:uLnTx/>
+              <a:uFillTx/>
+              <a:latin typeface="+mj-lt"/>
+              <a:ea typeface="+mj-ea"/>
+              <a:cs typeface="+mj-cs"/>
+            </a:endParaRPr>
+          </a:p>
+        </p:txBody>
+      </p:sp>
+      <p:sp>
+        <p:nvSpPr>
+          <p:cNvPr id="5" name="日期版面配置區 4"/>
+          <p:cNvSpPr>
+            <a:spLocks noGrp="1"/>
+          </p:cNvSpPr>
+          <p:nvPr>
+            <p:ph type="dt" sz="half" idx="10"/>
+          </p:nvPr>
+        </p:nvSpPr>
+        <p:spPr/>
+        <p:txBody>
+          <a:bodyPr/>
+          <a:lstStyle/>
+          <a:p>
+            <a:fld id="{A4F910E6-8D00-4BAF-8C48-9688E0B449D3}" type="datetime1">
+              <a:rPr lang="zh-TW" altLang="en-US" smtClean="0"/>
+              <a:pPr/>
+              <a:t>2020/5/30</a:t>
+            </a:fld>
+            <a:endParaRPr lang="zh-TW" altLang="en-US"/>
+          </a:p>
+        </p:txBody>
+      </p:sp>
+      <p:sp>
+        <p:nvSpPr>
+          <p:cNvPr id="6" name="投影片編號版面配置區 5"/>
+          <p:cNvSpPr>
+            <a:spLocks noGrp="1"/>
+          </p:cNvSpPr>
+          <p:nvPr>
+            <p:ph type="sldNum" sz="quarter" idx="12"/>
+          </p:nvPr>
+        </p:nvSpPr>
+        <p:spPr/>
+        <p:txBody>
+          <a:bodyPr/>
+          <a:lstStyle/>
+          <a:p>
+            <a:fld id="{E4D7E63D-91F2-4366-A2C4-1B00C9E2590E}" type="slidenum">
+              <a:rPr lang="zh-TW" altLang="en-US" smtClean="0"/>
+              <a:pPr/>
+              <a:t>13</a:t>
+            </a:fld>
+            <a:endParaRPr lang="zh-TW" altLang="en-US"/>
+          </a:p>
+        </p:txBody>
+      </p:sp>
+      <p:pic>
+        <p:nvPicPr>
+          <p:cNvPr id="8" name="Picture 7">
+            <a:extLst>
+              <a:ext uri="{FF2B5EF4-FFF2-40B4-BE49-F238E27FC236}">
+                <a16:creationId xmlns:a16="http://schemas.microsoft.com/office/drawing/2014/main" id="{B5E272B9-173B-4AB7-8BCD-CC107A9A47F0}"/>
+              </a:ext>
+            </a:extLst>
+          </p:cNvPr>
+          <p:cNvPicPr>
+            <a:picLocks noChangeAspect="1"/>
+          </p:cNvPicPr>
+          <p:nvPr/>
+        </p:nvPicPr>
+        <p:blipFill>
+          <a:blip r:embed="rId3"/>
+          <a:stretch>
+            <a:fillRect/>
+          </a:stretch>
+        </p:blipFill>
+        <p:spPr>
+          <a:xfrm>
+            <a:off x="1752600" y="1270920"/>
+            <a:ext cx="6934200" cy="4657725"/>
+          </a:xfrm>
+          <a:prstGeom prst="rect">
+            <a:avLst/>
+          </a:prstGeom>
+          <a:ln>
+            <a:solidFill>
+              <a:srgbClr val="C00000"/>
+            </a:solidFill>
+          </a:ln>
+        </p:spPr>
+      </p:pic>
+    </p:spTree>
+    <p:extLst>
+      <p:ext uri="{BB962C8B-B14F-4D97-AF65-F5344CB8AC3E}">
+        <p14:creationId xmlns:p14="http://schemas.microsoft.com/office/powerpoint/2010/main" val="2402900159"/>
+      </p:ext>
+    </p:extLst>
+  </p:cSld>
+  <p:clrMapOvr>
+    <a:masterClrMapping/>
+  </p:clrMapOvr>
+</p:sld>
+</file>
+
+<file path=ppt/slides/slide14.xml><?xml version="1.0" encoding="utf-8"?>
+<p:sld xmlns:a="http://schemas.openxmlformats.org/drawingml/2006/main" xmlns:r="http://schemas.openxmlformats.org/officeDocument/2006/relationships" xmlns:p="http://schemas.openxmlformats.org/presentationml/2006/main">
+  <p:cSld>
+    <p:spTree>
+      <p:nvGrpSpPr>
+        <p:cNvPr id="1" name=""/>
+        <p:cNvGrpSpPr/>
+        <p:nvPr/>
+      </p:nvGrpSpPr>
+      <p:grpSpPr>
+        <a:xfrm>
+          <a:off x="0" y="0"/>
+          <a:ext cx="0" cy="0"/>
+          <a:chOff x="0" y="0"/>
+          <a:chExt cx="0" cy="0"/>
+        </a:xfrm>
+      </p:grpSpPr>
+      <p:sp>
+        <p:nvSpPr>
+          <p:cNvPr id="2" name="標題 1"/>
+          <p:cNvSpPr>
+            <a:spLocks noGrp="1"/>
+          </p:cNvSpPr>
+          <p:nvPr>
+            <p:ph type="ctrTitle"/>
+          </p:nvPr>
+        </p:nvSpPr>
+        <p:spPr>
+          <a:xfrm>
+            <a:off x="0" y="1"/>
+            <a:ext cx="9144000" cy="764704"/>
+          </a:xfrm>
+          <a:gradFill flip="none" rotWithShape="1">
+            <a:gsLst>
+              <a:gs pos="0">
+                <a:srgbClr val="C00000">
+                  <a:shade val="30000"/>
+                  <a:satMod val="115000"/>
+                </a:srgbClr>
+              </a:gs>
+              <a:gs pos="50000">
+                <a:srgbClr val="C00000">
+                  <a:shade val="67500"/>
+                  <a:satMod val="115000"/>
+                </a:srgbClr>
+              </a:gs>
+              <a:gs pos="100000">
+                <a:srgbClr val="C00000">
+                  <a:shade val="100000"/>
+                  <a:satMod val="115000"/>
+                </a:srgbClr>
+              </a:gs>
+            </a:gsLst>
+            <a:path path="circle">
+              <a:fillToRect t="100000" r="100000"/>
+            </a:path>
+            <a:tileRect l="-100000" b="-100000"/>
+          </a:gradFill>
+        </p:spPr>
+        <p:txBody>
+          <a:bodyPr>
+            <a:normAutofit/>
+          </a:bodyPr>
+          <a:lstStyle/>
+          <a:p>
+            <a:pPr algn="l"/>
+            <a:r>
+              <a:rPr lang="en-US" altLang="zh-TW" b="1" dirty="0">
+                <a:solidFill>
+                  <a:srgbClr val="FFFF00"/>
+                </a:solidFill>
+              </a:rPr>
+              <a:t>3.1 Quiz</a:t>
+            </a:r>
+            <a:endParaRPr lang="zh-TW" altLang="en-US" b="1" dirty="0">
+              <a:solidFill>
+                <a:srgbClr val="FFFF00"/>
+              </a:solidFill>
+            </a:endParaRPr>
+          </a:p>
+        </p:txBody>
+      </p:sp>
+      <p:sp>
+        <p:nvSpPr>
+          <p:cNvPr id="3" name="副標題 2"/>
+          <p:cNvSpPr>
+            <a:spLocks noGrp="1"/>
+          </p:cNvSpPr>
+          <p:nvPr>
+            <p:ph type="subTitle" idx="1"/>
+          </p:nvPr>
+        </p:nvSpPr>
+        <p:spPr>
+          <a:xfrm>
+            <a:off x="467544" y="1268760"/>
+            <a:ext cx="1080120" cy="360040"/>
+          </a:xfrm>
+          <a:ln>
+            <a:solidFill>
+              <a:srgbClr val="C00000"/>
+            </a:solidFill>
+          </a:ln>
+        </p:spPr>
+        <p:txBody>
+          <a:bodyPr>
+            <a:noAutofit/>
+          </a:bodyPr>
+          <a:lstStyle/>
+          <a:p>
+            <a:pPr marL="342900" indent="-342900" algn="l">
+              <a:buClr>
+                <a:srgbClr val="0070C0"/>
+              </a:buClr>
+              <a:buSzPct val="80000"/>
+              <a:buFont typeface="Wingdings" pitchFamily="2" charset="2"/>
+              <a:buChar char="u"/>
+            </a:pPr>
+            <a:r>
+              <a:rPr lang="en-US" sz="1800" b="1" dirty="0">
+                <a:solidFill>
+                  <a:schemeClr val="tx1"/>
+                </a:solidFill>
+              </a:rPr>
+              <a:t>Quiz</a:t>
+            </a:r>
+            <a:endParaRPr lang="en-US" sz="1800" dirty="0">
+              <a:solidFill>
+                <a:schemeClr val="tx1"/>
+              </a:solidFill>
+            </a:endParaRPr>
+          </a:p>
+        </p:txBody>
+      </p:sp>
+      <p:sp>
+        <p:nvSpPr>
+          <p:cNvPr id="4" name="標題 1"/>
+          <p:cNvSpPr txBox="1">
+            <a:spLocks/>
+          </p:cNvSpPr>
+          <p:nvPr/>
+        </p:nvSpPr>
+        <p:spPr>
+          <a:xfrm>
+            <a:off x="0" y="764704"/>
+            <a:ext cx="9144000" cy="360040"/>
+          </a:xfrm>
+          <a:prstGeom prst="rect">
+            <a:avLst/>
+          </a:prstGeom>
+          <a:gradFill flip="none" rotWithShape="1">
+            <a:gsLst>
+              <a:gs pos="0">
+                <a:srgbClr val="00B0F0">
+                  <a:shade val="30000"/>
+                  <a:satMod val="115000"/>
+                </a:srgbClr>
+              </a:gs>
+              <a:gs pos="50000">
+                <a:srgbClr val="00B0F0">
+                  <a:shade val="67500"/>
+                  <a:satMod val="115000"/>
+                </a:srgbClr>
+              </a:gs>
+              <a:gs pos="100000">
+                <a:srgbClr val="00B0F0">
+                  <a:shade val="100000"/>
+                  <a:satMod val="115000"/>
+                </a:srgbClr>
+              </a:gs>
+            </a:gsLst>
+            <a:path path="circle">
+              <a:fillToRect t="100000" r="100000"/>
+            </a:path>
+            <a:tileRect l="-100000" b="-100000"/>
+          </a:gradFill>
+        </p:spPr>
+        <p:txBody>
+          <a:bodyPr vert="horz" lIns="91440" tIns="45720" rIns="91440" bIns="45720" rtlCol="0" anchor="ctr">
+            <a:normAutofit/>
+          </a:bodyPr>
+          <a:lstStyle/>
+          <a:p>
+            <a:pPr lvl="0">
+              <a:spcBef>
+                <a:spcPct val="0"/>
+              </a:spcBef>
+            </a:pPr>
+            <a:r>
+              <a:rPr lang="en-US" sz="1600" dirty="0">
+                <a:hlinkClick r:id="rId2"/>
+              </a:rPr>
+              <a:t>https://www.youtube.com/watch?v=UWlFM0R_x6I&amp;list=PLZbbT5o_s2xrfNyHZsM6ufI0iZENK9xgG&amp;index=3</a:t>
+            </a:r>
+            <a:endParaRPr kumimoji="0" lang="zh-TW" altLang="en-US" sz="1600" b="0" i="0" u="none" strike="noStrike" kern="1200" cap="none" spc="0" normalizeH="0" baseline="0" noProof="0" dirty="0">
+              <a:ln>
+                <a:noFill/>
+              </a:ln>
+              <a:solidFill>
+                <a:schemeClr val="tx1"/>
+              </a:solidFill>
+              <a:effectLst/>
+              <a:uLnTx/>
+              <a:uFillTx/>
+              <a:latin typeface="+mj-lt"/>
+              <a:ea typeface="+mj-ea"/>
+              <a:cs typeface="+mj-cs"/>
+            </a:endParaRPr>
+          </a:p>
+        </p:txBody>
+      </p:sp>
+      <p:sp>
+        <p:nvSpPr>
+          <p:cNvPr id="5" name="日期版面配置區 4"/>
+          <p:cNvSpPr>
+            <a:spLocks noGrp="1"/>
+          </p:cNvSpPr>
+          <p:nvPr>
+            <p:ph type="dt" sz="half" idx="10"/>
+          </p:nvPr>
+        </p:nvSpPr>
+        <p:spPr/>
+        <p:txBody>
+          <a:bodyPr/>
+          <a:lstStyle/>
+          <a:p>
+            <a:fld id="{A4F910E6-8D00-4BAF-8C48-9688E0B449D3}" type="datetime1">
+              <a:rPr lang="zh-TW" altLang="en-US" smtClean="0"/>
+              <a:pPr/>
+              <a:t>2020/5/30</a:t>
+            </a:fld>
+            <a:endParaRPr lang="zh-TW" altLang="en-US"/>
+          </a:p>
+        </p:txBody>
+      </p:sp>
+      <p:sp>
+        <p:nvSpPr>
+          <p:cNvPr id="6" name="投影片編號版面配置區 5"/>
+          <p:cNvSpPr>
+            <a:spLocks noGrp="1"/>
+          </p:cNvSpPr>
+          <p:nvPr>
+            <p:ph type="sldNum" sz="quarter" idx="12"/>
+          </p:nvPr>
+        </p:nvSpPr>
+        <p:spPr/>
+        <p:txBody>
+          <a:bodyPr/>
+          <a:lstStyle/>
+          <a:p>
+            <a:fld id="{E4D7E63D-91F2-4366-A2C4-1B00C9E2590E}" type="slidenum">
+              <a:rPr lang="zh-TW" altLang="en-US" smtClean="0"/>
+              <a:pPr/>
+              <a:t>14</a:t>
+            </a:fld>
+            <a:endParaRPr lang="zh-TW" altLang="en-US"/>
+          </a:p>
+        </p:txBody>
+      </p:sp>
+      <p:pic>
+        <p:nvPicPr>
+          <p:cNvPr id="7" name="Picture 6">
+            <a:extLst>
+              <a:ext uri="{FF2B5EF4-FFF2-40B4-BE49-F238E27FC236}">
+                <a16:creationId xmlns:a16="http://schemas.microsoft.com/office/drawing/2014/main" id="{85D82EAE-BAD7-491F-B2DD-312DAAFD0167}"/>
+              </a:ext>
+            </a:extLst>
+          </p:cNvPr>
+          <p:cNvPicPr>
+            <a:picLocks noChangeAspect="1"/>
+          </p:cNvPicPr>
+          <p:nvPr/>
+        </p:nvPicPr>
+        <p:blipFill>
+          <a:blip r:embed="rId3"/>
+          <a:stretch>
+            <a:fillRect/>
+          </a:stretch>
+        </p:blipFill>
+        <p:spPr>
+          <a:xfrm>
+            <a:off x="1691680" y="1255124"/>
+            <a:ext cx="6791325" cy="2314575"/>
+          </a:xfrm>
+          <a:prstGeom prst="rect">
+            <a:avLst/>
+          </a:prstGeom>
+          <a:ln>
+            <a:solidFill>
+              <a:srgbClr val="C00000"/>
+            </a:solidFill>
+          </a:ln>
+        </p:spPr>
+      </p:pic>
+    </p:spTree>
+    <p:extLst>
+      <p:ext uri="{BB962C8B-B14F-4D97-AF65-F5344CB8AC3E}">
+        <p14:creationId xmlns:p14="http://schemas.microsoft.com/office/powerpoint/2010/main" val="1738032554"/>
+      </p:ext>
+    </p:extLst>
+  </p:cSld>
+  <p:clrMapOvr>
+    <a:masterClrMapping/>
+  </p:clrMapOvr>
+</p:sld>
+</file>
+
+<file path=ppt/slides/slide15.xml><?xml version="1.0" encoding="utf-8"?>
+<p:sld xmlns:a="http://schemas.openxmlformats.org/drawingml/2006/main" xmlns:r="http://schemas.openxmlformats.org/officeDocument/2006/relationships" xmlns:p="http://schemas.openxmlformats.org/presentationml/2006/main">
+  <p:cSld>
+    <p:spTree>
+      <p:nvGrpSpPr>
+        <p:cNvPr id="1" name=""/>
+        <p:cNvGrpSpPr/>
+        <p:nvPr/>
+      </p:nvGrpSpPr>
+      <p:grpSpPr>
+        <a:xfrm>
+          <a:off x="0" y="0"/>
+          <a:ext cx="0" cy="0"/>
+          <a:chOff x="0" y="0"/>
+          <a:chExt cx="0" cy="0"/>
+        </a:xfrm>
+      </p:grpSpPr>
+      <p:sp>
+        <p:nvSpPr>
+          <p:cNvPr id="2" name="標題 1"/>
+          <p:cNvSpPr>
+            <a:spLocks noGrp="1"/>
+          </p:cNvSpPr>
+          <p:nvPr>
+            <p:ph type="ctrTitle"/>
+          </p:nvPr>
+        </p:nvSpPr>
+        <p:spPr>
+          <a:xfrm>
+            <a:off x="0" y="2130425"/>
+            <a:ext cx="9144000" cy="1470025"/>
+          </a:xfrm>
+          <a:gradFill flip="none" rotWithShape="1">
+            <a:gsLst>
+              <a:gs pos="0">
+                <a:srgbClr val="00B0F0">
+                  <a:shade val="30000"/>
+                  <a:satMod val="115000"/>
+                </a:srgbClr>
+              </a:gs>
+              <a:gs pos="50000">
+                <a:srgbClr val="00B0F0">
+                  <a:shade val="67500"/>
+                  <a:satMod val="115000"/>
+                </a:srgbClr>
+              </a:gs>
+              <a:gs pos="100000">
+                <a:srgbClr val="00B0F0">
+                  <a:shade val="100000"/>
+                  <a:satMod val="115000"/>
+                </a:srgbClr>
+              </a:gs>
+            </a:gsLst>
+            <a:path path="circle">
+              <a:fillToRect t="100000" r="100000"/>
+            </a:path>
+            <a:tileRect l="-100000" b="-100000"/>
+          </a:gradFill>
+        </p:spPr>
+        <p:txBody>
+          <a:bodyPr>
+            <a:normAutofit/>
+          </a:bodyPr>
+          <a:lstStyle/>
+          <a:p>
+            <a:r>
+              <a:rPr lang="en-US" altLang="zh-TW" sz="6000" b="1" dirty="0">
+                <a:solidFill>
+                  <a:srgbClr val="FFFF00"/>
+                </a:solidFill>
+              </a:rPr>
+              <a:t>End of Chapter</a:t>
+            </a:r>
+            <a:endParaRPr lang="zh-TW" altLang="en-US" sz="6000" b="1" dirty="0">
+              <a:solidFill>
+                <a:srgbClr val="FFFF00"/>
+              </a:solidFill>
+            </a:endParaRPr>
+          </a:p>
+        </p:txBody>
+      </p:sp>
+      <p:sp>
+        <p:nvSpPr>
+          <p:cNvPr id="5" name="日期版面配置區 4"/>
+          <p:cNvSpPr>
+            <a:spLocks noGrp="1"/>
+          </p:cNvSpPr>
+          <p:nvPr>
+            <p:ph type="dt" sz="half" idx="10"/>
+          </p:nvPr>
+        </p:nvSpPr>
+        <p:spPr/>
+        <p:txBody>
+          <a:bodyPr/>
+          <a:lstStyle/>
+          <a:p>
+            <a:fld id="{4E46BE27-E923-4EC2-B046-3272AE2A3E5C}" type="datetime1">
+              <a:rPr lang="zh-TW" altLang="en-US" smtClean="0"/>
+              <a:pPr/>
+              <a:t>2020/5/30</a:t>
+            </a:fld>
+            <a:endParaRPr lang="zh-TW" altLang="en-US"/>
+          </a:p>
+        </p:txBody>
+      </p:sp>
+      <p:sp>
+        <p:nvSpPr>
+          <p:cNvPr id="6" name="投影片編號版面配置區 5"/>
+          <p:cNvSpPr>
+            <a:spLocks noGrp="1"/>
+          </p:cNvSpPr>
+          <p:nvPr>
+            <p:ph type="sldNum" sz="quarter" idx="12"/>
+          </p:nvPr>
+        </p:nvSpPr>
+        <p:spPr/>
+        <p:txBody>
+          <a:bodyPr/>
+          <a:lstStyle/>
+          <a:p>
+            <a:fld id="{E4D7E63D-91F2-4366-A2C4-1B00C9E2590E}" type="slidenum">
+              <a:rPr lang="zh-TW" altLang="en-US" smtClean="0"/>
+              <a:pPr/>
+              <a:t>15</a:t>
+            </a:fld>
+            <a:endParaRPr lang="zh-TW" altLang="en-US"/>
+          </a:p>
+        </p:txBody>
+      </p:sp>
+    </p:spTree>
+  </p:cSld>
+  <p:clrMapOvr>
+    <a:masterClrMapping/>
+  </p:clrMapOvr>
+</p:sld>
+</file>
+
+<file path=ppt/slides/slide2.xml><?xml version="1.0" encoding="utf-8"?>
+<p:sld xmlns:a="http://schemas.openxmlformats.org/drawingml/2006/main" xmlns:r="http://schemas.openxmlformats.org/officeDocument/2006/relationships" xmlns:p="http://schemas.openxmlformats.org/presentationml/2006/main">
+  <p:cSld>
+    <p:spTree>
+      <p:nvGrpSpPr>
+        <p:cNvPr id="1" name=""/>
+        <p:cNvGrpSpPr/>
+        <p:nvPr/>
+      </p:nvGrpSpPr>
+      <p:grpSpPr>
+        <a:xfrm>
+          <a:off x="0" y="0"/>
+          <a:ext cx="0" cy="0"/>
+          <a:chOff x="0" y="0"/>
+          <a:chExt cx="0" cy="0"/>
+        </a:xfrm>
+      </p:grpSpPr>
+      <p:sp>
+        <p:nvSpPr>
+          <p:cNvPr id="2" name="標題 1"/>
+          <p:cNvSpPr>
+            <a:spLocks noGrp="1"/>
+          </p:cNvSpPr>
+          <p:nvPr>
+            <p:ph type="ctrTitle"/>
+          </p:nvPr>
+        </p:nvSpPr>
+        <p:spPr>
+          <a:xfrm>
+            <a:off x="0" y="1"/>
+            <a:ext cx="9144000" cy="764704"/>
+          </a:xfrm>
+          <a:gradFill flip="none" rotWithShape="1">
+            <a:gsLst>
+              <a:gs pos="0">
+                <a:srgbClr val="C00000">
+                  <a:shade val="30000"/>
+                  <a:satMod val="115000"/>
+                </a:srgbClr>
+              </a:gs>
+              <a:gs pos="50000">
+                <a:srgbClr val="C00000">
+                  <a:shade val="67500"/>
+                  <a:satMod val="115000"/>
+                </a:srgbClr>
+              </a:gs>
+              <a:gs pos="100000">
+                <a:srgbClr val="C00000">
+                  <a:shade val="100000"/>
+                  <a:satMod val="115000"/>
+                </a:srgbClr>
+              </a:gs>
+            </a:gsLst>
+            <a:path path="circle">
+              <a:fillToRect t="100000" r="100000"/>
+            </a:path>
+            <a:tileRect l="-100000" b="-100000"/>
+          </a:gradFill>
+        </p:spPr>
+        <p:txBody>
+          <a:bodyPr>
+            <a:normAutofit/>
+          </a:bodyPr>
+          <a:lstStyle/>
+          <a:p>
+            <a:pPr algn="l"/>
+            <a:r>
+              <a:rPr lang="en-US" altLang="zh-TW" b="1" dirty="0">
+                <a:solidFill>
+                  <a:srgbClr val="FFFF00"/>
+                </a:solidFill>
+              </a:rPr>
+              <a:t>3 Install PyTorch</a:t>
+            </a:r>
+            <a:endParaRPr lang="zh-TW" altLang="en-US" b="1" dirty="0">
+              <a:solidFill>
+                <a:srgbClr val="FFFF00"/>
+              </a:solidFill>
+            </a:endParaRPr>
+          </a:p>
+        </p:txBody>
+      </p:sp>
+      <p:sp>
+        <p:nvSpPr>
+          <p:cNvPr id="3" name="副標題 2"/>
+          <p:cNvSpPr>
+            <a:spLocks noGrp="1"/>
+          </p:cNvSpPr>
+          <p:nvPr>
+            <p:ph type="subTitle" idx="1"/>
+          </p:nvPr>
+        </p:nvSpPr>
+        <p:spPr>
+          <a:xfrm>
+            <a:off x="467544" y="1268759"/>
+            <a:ext cx="8352928" cy="1296145"/>
+          </a:xfrm>
+          <a:ln>
+            <a:solidFill>
+              <a:srgbClr val="C00000"/>
+            </a:solidFill>
+          </a:ln>
+        </p:spPr>
+        <p:txBody>
+          <a:bodyPr>
+            <a:noAutofit/>
+          </a:bodyPr>
+          <a:lstStyle/>
+          <a:p>
+            <a:pPr marL="342900" indent="-342900" algn="l">
+              <a:buClr>
+                <a:srgbClr val="0070C0"/>
+              </a:buClr>
+              <a:buSzPct val="80000"/>
+              <a:buFont typeface="Wingdings" pitchFamily="2" charset="2"/>
+              <a:buChar char="u"/>
+            </a:pPr>
+            <a:r>
+              <a:rPr lang="en-US" sz="1800" b="1" dirty="0">
+                <a:solidFill>
+                  <a:schemeClr val="tx1"/>
+                </a:solidFill>
+              </a:rPr>
+              <a:t>Install PyTorch</a:t>
+            </a:r>
+          </a:p>
+          <a:p>
+            <a:pPr marL="342900" indent="-342900" algn="l">
+              <a:buClr>
+                <a:srgbClr val="0070C0"/>
+              </a:buClr>
+              <a:buSzPct val="80000"/>
+              <a:buFont typeface="Wingdings" pitchFamily="2" charset="2"/>
+              <a:buChar char="u"/>
+            </a:pPr>
+            <a:r>
+              <a:rPr lang="en-US" altLang="zh-TW" sz="1800" dirty="0">
+                <a:solidFill>
+                  <a:schemeClr val="tx1"/>
+                </a:solidFill>
+              </a:rPr>
+              <a:t>To install the PyTorch, it is best to use Anaconda Python Package manager.</a:t>
+            </a:r>
+          </a:p>
+          <a:p>
+            <a:pPr marL="342900" indent="-342900" algn="l">
+              <a:buClr>
+                <a:srgbClr val="0070C0"/>
+              </a:buClr>
+              <a:buSzPct val="80000"/>
+              <a:buFont typeface="Wingdings" pitchFamily="2" charset="2"/>
+              <a:buChar char="u"/>
+            </a:pPr>
+            <a:r>
+              <a:rPr lang="en-US" altLang="zh-TW" sz="1800" dirty="0">
+                <a:solidFill>
+                  <a:schemeClr val="tx1"/>
+                </a:solidFill>
+              </a:rPr>
+              <a:t>With Anaconda, it is easy to get the Jupyter notebook, and other commonly use for scientific computing and data science including PyTorch.</a:t>
+            </a:r>
+          </a:p>
+        </p:txBody>
+      </p:sp>
+      <p:sp>
+        <p:nvSpPr>
+          <p:cNvPr id="4" name="標題 1"/>
+          <p:cNvSpPr txBox="1">
+            <a:spLocks/>
+          </p:cNvSpPr>
+          <p:nvPr/>
+        </p:nvSpPr>
+        <p:spPr>
+          <a:xfrm>
+            <a:off x="0" y="764704"/>
+            <a:ext cx="9144000" cy="360040"/>
+          </a:xfrm>
+          <a:prstGeom prst="rect">
+            <a:avLst/>
+          </a:prstGeom>
+          <a:gradFill flip="none" rotWithShape="1">
+            <a:gsLst>
+              <a:gs pos="0">
+                <a:srgbClr val="00B0F0">
+                  <a:shade val="30000"/>
+                  <a:satMod val="115000"/>
+                </a:srgbClr>
+              </a:gs>
+              <a:gs pos="50000">
+                <a:srgbClr val="00B0F0">
+                  <a:shade val="67500"/>
+                  <a:satMod val="115000"/>
+                </a:srgbClr>
+              </a:gs>
+              <a:gs pos="100000">
+                <a:srgbClr val="00B0F0">
+                  <a:shade val="100000"/>
+                  <a:satMod val="115000"/>
+                </a:srgbClr>
+              </a:gs>
+            </a:gsLst>
+            <a:path path="circle">
+              <a:fillToRect t="100000" r="100000"/>
+            </a:path>
+            <a:tileRect l="-100000" b="-100000"/>
+          </a:gradFill>
+        </p:spPr>
+        <p:txBody>
+          <a:bodyPr vert="horz" lIns="91440" tIns="45720" rIns="91440" bIns="45720" rtlCol="0" anchor="ctr">
+            <a:normAutofit/>
+          </a:bodyPr>
+          <a:lstStyle/>
+          <a:p>
+            <a:pPr lvl="0">
+              <a:spcBef>
+                <a:spcPct val="0"/>
+              </a:spcBef>
+            </a:pPr>
+            <a:r>
+              <a:rPr lang="en-US" sz="1600" dirty="0">
+                <a:hlinkClick r:id="rId2"/>
+              </a:rPr>
+              <a:t>https://www.youtube.com/watch?v=UWlFM0R_x6I&amp;list=PLZbbT5o_s2xrfNyHZsM6ufI0iZENK9xgG&amp;index=3</a:t>
+            </a:r>
+            <a:endParaRPr kumimoji="0" lang="zh-TW" altLang="en-US" sz="1600" b="0" i="0" u="none" strike="noStrike" kern="1200" cap="none" spc="0" normalizeH="0" baseline="0" noProof="0" dirty="0">
+              <a:ln>
+                <a:noFill/>
+              </a:ln>
+              <a:solidFill>
+                <a:schemeClr val="tx1"/>
+              </a:solidFill>
+              <a:effectLst/>
+              <a:uLnTx/>
+              <a:uFillTx/>
+              <a:latin typeface="+mj-lt"/>
+              <a:ea typeface="+mj-ea"/>
+              <a:cs typeface="+mj-cs"/>
+            </a:endParaRPr>
+          </a:p>
+        </p:txBody>
+      </p:sp>
+      <p:sp>
+        <p:nvSpPr>
+          <p:cNvPr id="5" name="日期版面配置區 4"/>
+          <p:cNvSpPr>
+            <a:spLocks noGrp="1"/>
+          </p:cNvSpPr>
+          <p:nvPr>
+            <p:ph type="dt" sz="half" idx="10"/>
+          </p:nvPr>
+        </p:nvSpPr>
+        <p:spPr/>
+        <p:txBody>
+          <a:bodyPr/>
+          <a:lstStyle/>
+          <a:p>
+            <a:fld id="{A4F910E6-8D00-4BAF-8C48-9688E0B449D3}" type="datetime1">
+              <a:rPr lang="zh-TW" altLang="en-US" smtClean="0"/>
+              <a:pPr/>
+              <a:t>2020/5/30</a:t>
+            </a:fld>
+            <a:endParaRPr lang="zh-TW" altLang="en-US"/>
+          </a:p>
+        </p:txBody>
+      </p:sp>
+      <p:sp>
+        <p:nvSpPr>
+          <p:cNvPr id="6" name="投影片編號版面配置區 5"/>
+          <p:cNvSpPr>
+            <a:spLocks noGrp="1"/>
+          </p:cNvSpPr>
+          <p:nvPr>
+            <p:ph type="sldNum" sz="quarter" idx="12"/>
+          </p:nvPr>
+        </p:nvSpPr>
+        <p:spPr/>
+        <p:txBody>
+          <a:bodyPr/>
+          <a:lstStyle/>
+          <a:p>
+            <a:fld id="{E4D7E63D-91F2-4366-A2C4-1B00C9E2590E}" type="slidenum">
+              <a:rPr lang="zh-TW" altLang="en-US" smtClean="0"/>
+              <a:pPr/>
+              <a:t>2</a:t>
+            </a:fld>
+            <a:endParaRPr lang="zh-TW" altLang="en-US"/>
+          </a:p>
+        </p:txBody>
+      </p:sp>
+    </p:spTree>
+  </p:cSld>
+  <p:clrMapOvr>
+    <a:masterClrMapping/>
+  </p:clrMapOvr>
+</p:sld>
+</file>
+
+<file path=ppt/slides/slide3.xml><?xml version="1.0" encoding="utf-8"?>
+<p:sld xmlns:a="http://schemas.openxmlformats.org/drawingml/2006/main" xmlns:r="http://schemas.openxmlformats.org/officeDocument/2006/relationships" xmlns:p="http://schemas.openxmlformats.org/presentationml/2006/main">
+  <p:cSld>
+    <p:spTree>
+      <p:nvGrpSpPr>
+        <p:cNvPr id="1" name=""/>
+        <p:cNvGrpSpPr/>
+        <p:nvPr/>
+      </p:nvGrpSpPr>
+      <p:grpSpPr>
+        <a:xfrm>
+          <a:off x="0" y="0"/>
+          <a:ext cx="0" cy="0"/>
+          <a:chOff x="0" y="0"/>
+          <a:chExt cx="0" cy="0"/>
+        </a:xfrm>
+      </p:grpSpPr>
+      <p:sp>
+        <p:nvSpPr>
+          <p:cNvPr id="2" name="標題 1"/>
+          <p:cNvSpPr>
+            <a:spLocks noGrp="1"/>
+          </p:cNvSpPr>
+          <p:nvPr>
+            <p:ph type="ctrTitle"/>
+          </p:nvPr>
+        </p:nvSpPr>
+        <p:spPr>
+          <a:xfrm>
+            <a:off x="0" y="1"/>
+            <a:ext cx="9144000" cy="764704"/>
+          </a:xfrm>
+          <a:gradFill flip="none" rotWithShape="1">
+            <a:gsLst>
+              <a:gs pos="0">
+                <a:srgbClr val="C00000">
+                  <a:shade val="30000"/>
+                  <a:satMod val="115000"/>
+                </a:srgbClr>
+              </a:gs>
+              <a:gs pos="50000">
+                <a:srgbClr val="C00000">
+                  <a:shade val="67500"/>
+                  <a:satMod val="115000"/>
+                </a:srgbClr>
+              </a:gs>
+              <a:gs pos="100000">
+                <a:srgbClr val="C00000">
+                  <a:shade val="100000"/>
+                  <a:satMod val="115000"/>
+                </a:srgbClr>
+              </a:gs>
+            </a:gsLst>
+            <a:path path="circle">
+              <a:fillToRect t="100000" r="100000"/>
+            </a:path>
+            <a:tileRect l="-100000" b="-100000"/>
+          </a:gradFill>
+        </p:spPr>
+        <p:txBody>
+          <a:bodyPr>
+            <a:normAutofit/>
+          </a:bodyPr>
+          <a:lstStyle/>
+          <a:p>
+            <a:pPr algn="l"/>
+            <a:r>
+              <a:rPr lang="en-US" altLang="zh-TW" b="1" dirty="0">
+                <a:solidFill>
+                  <a:srgbClr val="FFFF00"/>
+                </a:solidFill>
+              </a:rPr>
+              <a:t>3 Install PyTorch</a:t>
+            </a:r>
+            <a:endParaRPr lang="zh-TW" altLang="en-US" b="1" dirty="0">
+              <a:solidFill>
+                <a:srgbClr val="FFFF00"/>
+              </a:solidFill>
+            </a:endParaRPr>
+          </a:p>
+        </p:txBody>
+      </p:sp>
+      <p:sp>
+        <p:nvSpPr>
+          <p:cNvPr id="3" name="副標題 2"/>
+          <p:cNvSpPr>
+            <a:spLocks noGrp="1"/>
+          </p:cNvSpPr>
+          <p:nvPr>
+            <p:ph type="subTitle" idx="1"/>
+          </p:nvPr>
+        </p:nvSpPr>
+        <p:spPr>
+          <a:xfrm>
+            <a:off x="467544" y="1268759"/>
+            <a:ext cx="8352928" cy="720083"/>
+          </a:xfrm>
+          <a:ln>
+            <a:solidFill>
+              <a:srgbClr val="C00000"/>
+            </a:solidFill>
+          </a:ln>
+        </p:spPr>
+        <p:txBody>
+          <a:bodyPr>
+            <a:noAutofit/>
+          </a:bodyPr>
+          <a:lstStyle/>
+          <a:p>
+            <a:pPr marL="342900" indent="-342900" algn="l">
+              <a:buClr>
+                <a:srgbClr val="0070C0"/>
+              </a:buClr>
+              <a:buSzPct val="80000"/>
+              <a:buFont typeface="Wingdings" pitchFamily="2" charset="2"/>
+              <a:buChar char="u"/>
+            </a:pPr>
+            <a:r>
+              <a:rPr lang="en-US" sz="1800" b="1" dirty="0">
+                <a:solidFill>
+                  <a:schemeClr val="tx1"/>
+                </a:solidFill>
+              </a:rPr>
+              <a:t>Install PyTorch</a:t>
+            </a:r>
+          </a:p>
+          <a:p>
+            <a:pPr marL="342900" indent="-342900" algn="l">
+              <a:buClr>
+                <a:srgbClr val="0070C0"/>
+              </a:buClr>
+              <a:buSzPct val="80000"/>
+              <a:buFont typeface="Wingdings" pitchFamily="2" charset="2"/>
+              <a:buChar char="u"/>
+            </a:pPr>
+            <a:r>
+              <a:rPr lang="en-US" sz="1800" dirty="0">
+                <a:hlinkClick r:id="rId2"/>
+              </a:rPr>
+              <a:t>https://pytorch.org/get-started/locally/</a:t>
+            </a:r>
+            <a:endParaRPr lang="en-US" sz="1800" dirty="0"/>
+          </a:p>
+        </p:txBody>
+      </p:sp>
+      <p:sp>
+        <p:nvSpPr>
+          <p:cNvPr id="4" name="標題 1"/>
+          <p:cNvSpPr txBox="1">
+            <a:spLocks/>
+          </p:cNvSpPr>
+          <p:nvPr/>
+        </p:nvSpPr>
+        <p:spPr>
+          <a:xfrm>
+            <a:off x="0" y="764704"/>
+            <a:ext cx="9144000" cy="360040"/>
+          </a:xfrm>
+          <a:prstGeom prst="rect">
+            <a:avLst/>
+          </a:prstGeom>
+          <a:gradFill flip="none" rotWithShape="1">
+            <a:gsLst>
+              <a:gs pos="0">
+                <a:srgbClr val="00B0F0">
+                  <a:shade val="30000"/>
+                  <a:satMod val="115000"/>
+                </a:srgbClr>
+              </a:gs>
+              <a:gs pos="50000">
+                <a:srgbClr val="00B0F0">
+                  <a:shade val="67500"/>
+                  <a:satMod val="115000"/>
+                </a:srgbClr>
+              </a:gs>
+              <a:gs pos="100000">
+                <a:srgbClr val="00B0F0">
+                  <a:shade val="100000"/>
+                  <a:satMod val="115000"/>
+                </a:srgbClr>
+              </a:gs>
+            </a:gsLst>
+            <a:path path="circle">
+              <a:fillToRect t="100000" r="100000"/>
+            </a:path>
+            <a:tileRect l="-100000" b="-100000"/>
+          </a:gradFill>
+        </p:spPr>
+        <p:txBody>
+          <a:bodyPr vert="horz" lIns="91440" tIns="45720" rIns="91440" bIns="45720" rtlCol="0" anchor="ctr">
+            <a:normAutofit/>
+          </a:bodyPr>
+          <a:lstStyle/>
+          <a:p>
+            <a:pPr lvl="0">
+              <a:spcBef>
+                <a:spcPct val="0"/>
+              </a:spcBef>
+            </a:pPr>
+            <a:r>
+              <a:rPr lang="en-US" sz="1600" dirty="0">
+                <a:hlinkClick r:id="rId3"/>
+              </a:rPr>
+              <a:t>https://www.youtube.com/watch?v=UWlFM0R_x6I&amp;list=PLZbbT5o_s2xrfNyHZsM6ufI0iZENK9xgG&amp;index=3</a:t>
+            </a:r>
+            <a:endParaRPr kumimoji="0" lang="zh-TW" altLang="en-US" sz="1600" b="0" i="0" u="none" strike="noStrike" kern="1200" cap="none" spc="0" normalizeH="0" baseline="0" noProof="0" dirty="0">
+              <a:ln>
+                <a:noFill/>
+              </a:ln>
+              <a:solidFill>
+                <a:schemeClr val="tx1"/>
+              </a:solidFill>
+              <a:effectLst/>
+              <a:uLnTx/>
+              <a:uFillTx/>
+              <a:latin typeface="+mj-lt"/>
+              <a:ea typeface="+mj-ea"/>
+              <a:cs typeface="+mj-cs"/>
+            </a:endParaRPr>
+          </a:p>
+        </p:txBody>
+      </p:sp>
+      <p:sp>
+        <p:nvSpPr>
+          <p:cNvPr id="5" name="日期版面配置區 4"/>
+          <p:cNvSpPr>
+            <a:spLocks noGrp="1"/>
+          </p:cNvSpPr>
+          <p:nvPr>
+            <p:ph type="dt" sz="half" idx="10"/>
+          </p:nvPr>
+        </p:nvSpPr>
+        <p:spPr/>
+        <p:txBody>
+          <a:bodyPr/>
+          <a:lstStyle/>
+          <a:p>
+            <a:fld id="{A4F910E6-8D00-4BAF-8C48-9688E0B449D3}" type="datetime1">
+              <a:rPr lang="zh-TW" altLang="en-US" smtClean="0"/>
+              <a:pPr/>
+              <a:t>2020/5/30</a:t>
             </a:fld>
             <a:endParaRPr lang="zh-TW" altLang="en-US"/>
           </a:p>
@@ -4829,7 +6502,7 @@
             <a:fld id="{A4F910E6-8D00-4BAF-8C48-9688E0B449D3}" type="datetime1">
               <a:rPr lang="zh-TW" altLang="en-US" smtClean="0"/>
               <a:pPr/>
-              <a:t>2020/5/21</a:t>
+              <a:t>2020/5/30</a:t>
             </a:fld>
             <a:endParaRPr lang="zh-TW" altLang="en-US"/>
           </a:p>
@@ -5468,7 +7141,7 @@
             <a:fld id="{A4F910E6-8D00-4BAF-8C48-9688E0B449D3}" type="datetime1">
               <a:rPr lang="zh-TW" altLang="en-US" smtClean="0"/>
               <a:pPr/>
-              <a:t>2020/5/21</a:t>
+              <a:t>2020/5/30</a:t>
             </a:fld>
             <a:endParaRPr lang="zh-TW" altLang="en-US"/>
           </a:p>
@@ -6109,7 +7782,7 @@
             <a:fld id="{A4F910E6-8D00-4BAF-8C48-9688E0B449D3}" type="datetime1">
               <a:rPr lang="zh-TW" altLang="en-US" smtClean="0"/>
               <a:pPr/>
-              <a:t>2020/5/21</a:t>
+              <a:t>2020/5/30</a:t>
             </a:fld>
             <a:endParaRPr lang="zh-TW" altLang="en-US"/>
           </a:p>
@@ -6410,7 +8083,7 @@
             <a:fld id="{A4F910E6-8D00-4BAF-8C48-9688E0B449D3}" type="datetime1">
               <a:rPr lang="zh-TW" altLang="en-US" smtClean="0"/>
               <a:pPr/>
-              <a:t>2020/5/21</a:t>
+              <a:t>2020/5/30</a:t>
             </a:fld>
             <a:endParaRPr lang="zh-TW" altLang="en-US"/>
           </a:p>
@@ -6782,7 +8455,7 @@
             <a:fld id="{A4F910E6-8D00-4BAF-8C48-9688E0B449D3}" type="datetime1">
               <a:rPr lang="zh-TW" altLang="en-US" smtClean="0"/>
               <a:pPr/>
-              <a:t>2020/5/21</a:t>
+              <a:t>2020/5/30</a:t>
             </a:fld>
             <a:endParaRPr lang="zh-TW" altLang="en-US"/>
           </a:p>
@@ -6892,32 +8565,9 @@
             <a:off x="0" y="2130425"/>
             <a:ext cx="9144000" cy="1470025"/>
           </a:xfrm>
-          <a:gradFill flip="none" rotWithShape="1">
-            <a:gsLst>
-              <a:gs pos="0">
-                <a:srgbClr val="00B0F0">
-                  <a:shade val="30000"/>
-                  <a:satMod val="115000"/>
-                </a:srgbClr>
-              </a:gs>
-              <a:gs pos="50000">
-                <a:srgbClr val="00B0F0">
-                  <a:shade val="67500"/>
-                  <a:satMod val="115000"/>
-                </a:srgbClr>
-              </a:gs>
-              <a:gs pos="100000">
-                <a:srgbClr val="00B0F0">
-                  <a:shade val="100000"/>
-                  <a:satMod val="115000"/>
-                </a:srgbClr>
-              </a:gs>
-            </a:gsLst>
-            <a:path path="circle">
-              <a:fillToRect t="100000" r="100000"/>
-            </a:path>
-            <a:tileRect l="-100000" b="-100000"/>
-          </a:gradFill>
+          <a:solidFill>
+            <a:srgbClr val="00B0F0"/>
+          </a:solidFill>
         </p:spPr>
         <p:txBody>
           <a:bodyPr>
@@ -6926,14 +8576,14 @@
           <a:lstStyle/>
           <a:p>
             <a:r>
-              <a:rPr lang="en-US" altLang="zh-TW" sz="6000" b="1" dirty="0">
+              <a:rPr lang="en-US" altLang="zh-TW" sz="4800" b="1" dirty="0">
                 <a:solidFill>
                   <a:srgbClr val="FFFF00"/>
                 </a:solidFill>
               </a:rPr>
-              <a:t>End of Chapter</a:t>
-            </a:r>
-            <a:endParaRPr lang="zh-TW" altLang="en-US" sz="6000" b="1" dirty="0">
+              <a:t>3.1 Quiz</a:t>
+            </a:r>
+            <a:endParaRPr lang="zh-TW" altLang="en-US" sz="4800" b="1" dirty="0">
               <a:solidFill>
                 <a:srgbClr val="FFFF00"/>
               </a:solidFill>
@@ -6956,10 +8606,10 @@
           <a:bodyPr/>
           <a:lstStyle/>
           <a:p>
-            <a:fld id="{4E46BE27-E923-4EC2-B046-3272AE2A3E5C}" type="datetime1">
+            <a:fld id="{C389EDC9-19E3-47AC-9C57-C6A24DEA81AD}" type="datetime1">
               <a:rPr lang="zh-TW" altLang="en-US" smtClean="0"/>
               <a:pPr/>
-              <a:t>2020/5/21</a:t>
+              <a:t>2020/5/30</a:t>
             </a:fld>
             <a:endParaRPr lang="zh-TW" altLang="en-US"/>
           </a:p>
@@ -6989,7 +8639,42 @@
           </a:p>
         </p:txBody>
       </p:sp>
+      <p:pic>
+        <p:nvPicPr>
+          <p:cNvPr id="7" name="Picture 6">
+            <a:extLst>
+              <a:ext uri="{FF2B5EF4-FFF2-40B4-BE49-F238E27FC236}">
+                <a16:creationId xmlns:a16="http://schemas.microsoft.com/office/drawing/2014/main" id="{6036082F-9FF3-4FD3-AAB6-79929EA80D69}"/>
+              </a:ext>
+            </a:extLst>
+          </p:cNvPr>
+          <p:cNvPicPr>
+            <a:picLocks noChangeAspect="1"/>
+          </p:cNvPicPr>
+          <p:nvPr/>
+        </p:nvPicPr>
+        <p:blipFill>
+          <a:blip r:embed="rId2"/>
+          <a:stretch>
+            <a:fillRect/>
+          </a:stretch>
+        </p:blipFill>
+        <p:spPr>
+          <a:xfrm>
+            <a:off x="3995936" y="3646102"/>
+            <a:ext cx="833859" cy="989784"/>
+          </a:xfrm>
+          <a:prstGeom prst="rect">
+            <a:avLst/>
+          </a:prstGeom>
+        </p:spPr>
+      </p:pic>
     </p:spTree>
+    <p:extLst>
+      <p:ext uri="{BB962C8B-B14F-4D97-AF65-F5344CB8AC3E}">
+        <p14:creationId xmlns:p14="http://schemas.microsoft.com/office/powerpoint/2010/main" val="2543524666"/>
+      </p:ext>
+    </p:extLst>
   </p:cSld>
   <p:clrMapOvr>
     <a:masterClrMapping/>
